--- a/ppt/1.1 C++语言介绍.pptx
+++ b/ppt/1.1 C++语言介绍.pptx
@@ -4885,7 +4885,7 @@
         </p:nvSpPr>
         <p:spPr>
           <a:xfrm>
-            <a:off x="1730734" y="4666530"/>
+            <a:off x="1730734" y="4476298"/>
             <a:ext cx="9144000" cy="1655762"/>
           </a:xfrm>
         </p:spPr>
@@ -5009,6 +5009,206 @@
               <a:rPr lang="zh-CN" altLang="en-US" sz="3200" dirty="0"/>
               <a:t>董洪伟</a:t>
             </a:r>
+          </a:p>
+        </p:txBody>
+      </p:sp>
+      <p:sp>
+        <p:nvSpPr>
+          <p:cNvPr id="3" name="内容占位符 2">
+            <a:extLst>
+              <a:ext uri="{FF2B5EF4-FFF2-40B4-BE49-F238E27FC236}">
+                <a16:creationId xmlns:a16="http://schemas.microsoft.com/office/drawing/2014/main" id="{B1895AD0-8526-8BF2-0BE8-F3FA3F0B669C}"/>
+              </a:ext>
+            </a:extLst>
+          </p:cNvPr>
+          <p:cNvSpPr txBox="1">
+            <a:spLocks/>
+          </p:cNvSpPr>
+          <p:nvPr/>
+        </p:nvSpPr>
+        <p:spPr>
+          <a:xfrm>
+            <a:off x="1149437" y="6022459"/>
+            <a:ext cx="10515600" cy="599666"/>
+          </a:xfrm>
+          <a:prstGeom prst="rect">
+            <a:avLst/>
+          </a:prstGeom>
+        </p:spPr>
+        <p:txBody>
+          <a:bodyPr vert="horz" lIns="91440" tIns="45720" rIns="91440" bIns="45720" rtlCol="0">
+            <a:normAutofit/>
+          </a:bodyPr>
+          <a:lstStyle>
+            <a:lvl1pPr marL="0" indent="0" algn="ctr" defTabSz="914400" rtl="0" eaLnBrk="1" latinLnBrk="0" hangingPunct="1">
+              <a:lnSpc>
+                <a:spcPct val="120000"/>
+              </a:lnSpc>
+              <a:spcBef>
+                <a:spcPts val="1000"/>
+              </a:spcBef>
+              <a:buFont typeface="Arial" panose="020B0604020202020204" pitchFamily="34" charset="0"/>
+              <a:buNone/>
+              <a:defRPr sz="2400" kern="1200">
+                <a:solidFill>
+                  <a:schemeClr val="tx1"/>
+                </a:solidFill>
+                <a:latin typeface="+mn-ea"/>
+                <a:ea typeface="+mn-ea"/>
+                <a:cs typeface="Noto Sans Cond Blk" panose="020B0A06040504020204" pitchFamily="34"/>
+              </a:defRPr>
+            </a:lvl1pPr>
+            <a:lvl2pPr marL="457200" indent="0" algn="ctr" defTabSz="914400" rtl="0" eaLnBrk="1" latinLnBrk="0" hangingPunct="1">
+              <a:lnSpc>
+                <a:spcPct val="120000"/>
+              </a:lnSpc>
+              <a:spcBef>
+                <a:spcPts val="500"/>
+              </a:spcBef>
+              <a:buFont typeface="Arial" panose="020B0604020202020204" pitchFamily="34" charset="0"/>
+              <a:buNone/>
+              <a:defRPr sz="2000" kern="1200">
+                <a:solidFill>
+                  <a:schemeClr val="tx1"/>
+                </a:solidFill>
+                <a:latin typeface="Noto Sans S Chinese Bold" panose="020B0800000000000000" pitchFamily="34" charset="-122"/>
+                <a:ea typeface="Noto Sans S Chinese Bold" panose="020B0800000000000000" pitchFamily="34" charset="-122"/>
+                <a:cs typeface="+mn-cs"/>
+              </a:defRPr>
+            </a:lvl2pPr>
+            <a:lvl3pPr marL="914400" indent="0" algn="ctr" defTabSz="914400" rtl="0" eaLnBrk="1" latinLnBrk="0" hangingPunct="1">
+              <a:lnSpc>
+                <a:spcPct val="120000"/>
+              </a:lnSpc>
+              <a:spcBef>
+                <a:spcPts val="500"/>
+              </a:spcBef>
+              <a:buFont typeface="Arial" panose="020B0604020202020204" pitchFamily="34" charset="0"/>
+              <a:buNone/>
+              <a:defRPr sz="1800" kern="1200">
+                <a:solidFill>
+                  <a:schemeClr val="tx1"/>
+                </a:solidFill>
+                <a:latin typeface="Noto Sans S Chinese Bold" panose="020B0800000000000000" pitchFamily="34" charset="-122"/>
+                <a:ea typeface="Noto Sans S Chinese Bold" panose="020B0800000000000000" pitchFamily="34" charset="-122"/>
+                <a:cs typeface="+mn-cs"/>
+              </a:defRPr>
+            </a:lvl3pPr>
+            <a:lvl4pPr marL="1371600" indent="0" algn="ctr" defTabSz="914400" rtl="0" eaLnBrk="1" latinLnBrk="0" hangingPunct="1">
+              <a:lnSpc>
+                <a:spcPct val="120000"/>
+              </a:lnSpc>
+              <a:spcBef>
+                <a:spcPts val="500"/>
+              </a:spcBef>
+              <a:buFont typeface="Arial" panose="020B0604020202020204" pitchFamily="34" charset="0"/>
+              <a:buNone/>
+              <a:defRPr sz="1600" kern="1200">
+                <a:solidFill>
+                  <a:schemeClr val="tx1"/>
+                </a:solidFill>
+                <a:latin typeface="Noto Sans S Chinese Bold" panose="020B0800000000000000" pitchFamily="34" charset="-122"/>
+                <a:ea typeface="Noto Sans S Chinese Bold" panose="020B0800000000000000" pitchFamily="34" charset="-122"/>
+                <a:cs typeface="+mn-cs"/>
+              </a:defRPr>
+            </a:lvl4pPr>
+            <a:lvl5pPr marL="1828800" indent="0" algn="ctr" defTabSz="914400" rtl="0" eaLnBrk="1" latinLnBrk="0" hangingPunct="1">
+              <a:lnSpc>
+                <a:spcPct val="120000"/>
+              </a:lnSpc>
+              <a:spcBef>
+                <a:spcPts val="500"/>
+              </a:spcBef>
+              <a:buFont typeface="Arial" panose="020B0604020202020204" pitchFamily="34" charset="0"/>
+              <a:buNone/>
+              <a:defRPr sz="1600" kern="1200">
+                <a:solidFill>
+                  <a:schemeClr val="tx1"/>
+                </a:solidFill>
+                <a:latin typeface="Noto Sans S Chinese Bold" panose="020B0800000000000000" pitchFamily="34" charset="-122"/>
+                <a:ea typeface="Noto Sans S Chinese Bold" panose="020B0800000000000000" pitchFamily="34" charset="-122"/>
+                <a:cs typeface="+mn-cs"/>
+              </a:defRPr>
+            </a:lvl5pPr>
+            <a:lvl6pPr marL="2286000" indent="0" algn="ctr" defTabSz="914400" rtl="0" eaLnBrk="1" latinLnBrk="0" hangingPunct="1">
+              <a:lnSpc>
+                <a:spcPct val="90000"/>
+              </a:lnSpc>
+              <a:spcBef>
+                <a:spcPts val="500"/>
+              </a:spcBef>
+              <a:buFont typeface="Arial" panose="020B0604020202020204" pitchFamily="34" charset="0"/>
+              <a:buNone/>
+              <a:defRPr sz="1600" kern="1200">
+                <a:solidFill>
+                  <a:schemeClr val="tx1"/>
+                </a:solidFill>
+                <a:latin typeface="+mn-lt"/>
+                <a:ea typeface="+mn-ea"/>
+                <a:cs typeface="+mn-cs"/>
+              </a:defRPr>
+            </a:lvl6pPr>
+            <a:lvl7pPr marL="2743200" indent="0" algn="ctr" defTabSz="914400" rtl="0" eaLnBrk="1" latinLnBrk="0" hangingPunct="1">
+              <a:lnSpc>
+                <a:spcPct val="90000"/>
+              </a:lnSpc>
+              <a:spcBef>
+                <a:spcPts val="500"/>
+              </a:spcBef>
+              <a:buFont typeface="Arial" panose="020B0604020202020204" pitchFamily="34" charset="0"/>
+              <a:buNone/>
+              <a:defRPr sz="1600" kern="1200">
+                <a:solidFill>
+                  <a:schemeClr val="tx1"/>
+                </a:solidFill>
+                <a:latin typeface="+mn-lt"/>
+                <a:ea typeface="+mn-ea"/>
+                <a:cs typeface="+mn-cs"/>
+              </a:defRPr>
+            </a:lvl7pPr>
+            <a:lvl8pPr marL="3200400" indent="0" algn="ctr" defTabSz="914400" rtl="0" eaLnBrk="1" latinLnBrk="0" hangingPunct="1">
+              <a:lnSpc>
+                <a:spcPct val="90000"/>
+              </a:lnSpc>
+              <a:spcBef>
+                <a:spcPts val="500"/>
+              </a:spcBef>
+              <a:buFont typeface="Arial" panose="020B0604020202020204" pitchFamily="34" charset="0"/>
+              <a:buNone/>
+              <a:defRPr sz="1600" kern="1200">
+                <a:solidFill>
+                  <a:schemeClr val="tx1"/>
+                </a:solidFill>
+                <a:latin typeface="+mn-lt"/>
+                <a:ea typeface="+mn-ea"/>
+                <a:cs typeface="+mn-cs"/>
+              </a:defRPr>
+            </a:lvl8pPr>
+            <a:lvl9pPr marL="3657600" indent="0" algn="ctr" defTabSz="914400" rtl="0" eaLnBrk="1" latinLnBrk="0" hangingPunct="1">
+              <a:lnSpc>
+                <a:spcPct val="90000"/>
+              </a:lnSpc>
+              <a:spcBef>
+                <a:spcPts val="500"/>
+              </a:spcBef>
+              <a:buFont typeface="Arial" panose="020B0604020202020204" pitchFamily="34" charset="0"/>
+              <a:buNone/>
+              <a:defRPr sz="1600" kern="1200">
+                <a:solidFill>
+                  <a:schemeClr val="tx1"/>
+                </a:solidFill>
+                <a:latin typeface="+mn-lt"/>
+                <a:ea typeface="+mn-ea"/>
+                <a:cs typeface="+mn-cs"/>
+              </a:defRPr>
+            </a:lvl9pPr>
+          </a:lstStyle>
+          <a:p>
+            <a:r>
+              <a:rPr lang="en-US" altLang="zh-CN" dirty="0"/>
+              <a:t>https://github.com/hwdong-net/cplusplus17/tree/master</a:t>
+            </a:r>
+            <a:endParaRPr lang="zh-CN" altLang="en-US" dirty="0"/>
           </a:p>
         </p:txBody>
       </p:sp>
@@ -28087,13 +28287,13 @@
               <a:t>Configuring your compiler: Choosing a language standard</a:t>
             </a:r>
             <a:endParaRPr lang="en-US" sz="2800" dirty="0">
-              <a:hlinkClick r:id=""/>
+              <a:hlinkClick r:id="" action="ppaction://noaction"/>
             </a:endParaRPr>
           </a:p>
           <a:p>
             <a:r>
               <a:rPr lang="en-US" sz="2800" dirty="0">
-                <a:hlinkClick r:id=""/>
+                <a:hlinkClick r:id="" action="ppaction://noaction"/>
               </a:rPr>
               <a:t>https://www.learncpp.com/cpp-tutorial/configuring-your-compiler-choosing-a-language-standard/</a:t>
             </a:r>
@@ -28108,13 +28308,13 @@
               <a:t>Install Code::Blocks and GCC 9 on Windows - Build C, C++ and Fortran programs</a:t>
             </a:r>
             <a:endParaRPr lang="en-US" sz="2800" dirty="0">
-              <a:hlinkClick r:id=""/>
+              <a:hlinkClick r:id="" action="ppaction://noaction"/>
             </a:endParaRPr>
           </a:p>
           <a:p>
             <a:r>
               <a:rPr lang="en-US" sz="2800" dirty="0">
-                <a:hlinkClick r:id=""/>
+                <a:hlinkClick r:id="" action="ppaction://noaction"/>
               </a:rPr>
               <a:t>https://solarianprogrammer.com/2019/11/16/install-codeblocks-gcc-windows-build-c-cpp-fortran-programs/</a:t>
             </a:r>
